--- a/PPT/04- Angular Component Tree.pptx
+++ b/PPT/04- Angular Component Tree.pptx
@@ -1916,7 +1916,7 @@
           <a:p>
             <a:fld id="{3684521C-F147-C24A-A391-648ECBD2901C}" type="datetime1">
               <a:rPr lang="en-US" smtClean="0"/>
-              <a:t>2/22/19</a:t>
+              <a:t>2/24/19</a:t>
             </a:fld>
             <a:endParaRPr lang="en-US"/>
           </a:p>
@@ -2070,7 +2070,7 @@
           <a:p>
             <a:fld id="{E850CB69-7D8B-9F4E-BED9-901DCAE946AB}" type="datetime1">
               <a:rPr lang="en-US" smtClean="0"/>
-              <a:t>2/22/19</a:t>
+              <a:t>2/24/19</a:t>
             </a:fld>
             <a:endParaRPr lang="en-US"/>
           </a:p>
@@ -2303,7 +2303,7 @@
           <a:p>
             <a:fld id="{FDA6B9DC-9839-E24A-9DBE-68BCC9C6D304}" type="datetime1">
               <a:rPr lang="en-US" smtClean="0"/>
-              <a:t>2/22/19</a:t>
+              <a:t>2/24/19</a:t>
             </a:fld>
             <a:endParaRPr lang="en-US"/>
           </a:p>
@@ -2428,7 +2428,7 @@
           <a:p>
             <a:fld id="{16B0123C-B19C-2541-A249-CC118E280FC0}" type="datetime1">
               <a:rPr lang="en-US" smtClean="0"/>
-              <a:t>2/22/19</a:t>
+              <a:t>2/24/19</a:t>
             </a:fld>
             <a:endParaRPr lang="en-US"/>
           </a:p>
@@ -2524,7 +2524,7 @@
           <a:p>
             <a:fld id="{7A20ED1D-FFB4-6144-9B3D-3C04FD3360E4}" type="datetime1">
               <a:rPr lang="en-US" smtClean="0"/>
-              <a:t>2/22/19</a:t>
+              <a:t>2/24/19</a:t>
             </a:fld>
             <a:endParaRPr lang="en-US"/>
           </a:p>
@@ -2758,7 +2758,7 @@
           <a:p>
             <a:fld id="{5ADC4E92-36BB-AA43-A533-B6B376F1612C}" type="datetime1">
               <a:rPr lang="en-US" smtClean="0"/>
-              <a:t>2/22/19</a:t>
+              <a:t>2/24/19</a:t>
             </a:fld>
             <a:endParaRPr lang="en-US"/>
           </a:p>
@@ -10308,20 +10308,20 @@
               </a:spcBef>
             </a:pPr>
             <a:r>
-              <a:rPr lang="en-US" sz="1950" spc="-15" dirty="0" err="1">
+              <a:rPr lang="en-US" sz="1950" b="1" spc="-15" dirty="0" err="1">
                 <a:latin typeface="Verdana"/>
                 <a:cs typeface="Verdana"/>
               </a:rPr>
               <a:t>Opdracht</a:t>
             </a:r>
             <a:r>
-              <a:rPr lang="en-US" sz="1950" spc="-15" dirty="0">
+              <a:rPr lang="en-US" sz="1950" b="1" spc="-15" dirty="0">
                 <a:latin typeface="Verdana"/>
                 <a:cs typeface="Verdana"/>
               </a:rPr>
               <a:t>: 6c</a:t>
             </a:r>
-            <a:endParaRPr lang="en-US" sz="1950" dirty="0">
+            <a:endParaRPr lang="en-US" sz="1950" b="1" dirty="0">
               <a:latin typeface="Verdana"/>
               <a:cs typeface="Verdana"/>
             </a:endParaRPr>
@@ -25668,20 +25668,20 @@
               </a:tabLst>
             </a:pPr>
             <a:r>
-              <a:rPr lang="en-US" sz="1950" spc="-15" dirty="0" err="1">
+              <a:rPr lang="en-US" sz="1950" b="1" spc="-15" dirty="0" err="1">
                 <a:latin typeface="Verdana"/>
                 <a:cs typeface="Verdana"/>
               </a:rPr>
               <a:t>Opdracht</a:t>
             </a:r>
             <a:r>
-              <a:rPr lang="en-US" sz="1950" spc="-15" dirty="0">
+              <a:rPr lang="en-US" sz="1950" b="1" spc="-15" dirty="0">
                 <a:latin typeface="Verdana"/>
                 <a:cs typeface="Verdana"/>
               </a:rPr>
               <a:t> 6d</a:t>
             </a:r>
-            <a:endParaRPr sz="1950" dirty="0">
+            <a:endParaRPr sz="1950" b="1" dirty="0">
               <a:latin typeface="Verdana"/>
               <a:cs typeface="Verdana"/>
             </a:endParaRPr>
@@ -50673,20 +50673,20 @@
               </a:tabLst>
             </a:pPr>
             <a:r>
-              <a:rPr lang="en-US" sz="1950" spc="-15" dirty="0" err="1">
+              <a:rPr lang="en-US" sz="1950" b="1" spc="-15" dirty="0" err="1">
                 <a:latin typeface="Verdana"/>
                 <a:cs typeface="Verdana"/>
               </a:rPr>
               <a:t>Opdracht</a:t>
             </a:r>
             <a:r>
-              <a:rPr lang="en-US" sz="1950" spc="-15" dirty="0">
+              <a:rPr lang="en-US" sz="1950" b="1" spc="-15" dirty="0">
                 <a:latin typeface="Verdana"/>
                 <a:cs typeface="Verdana"/>
               </a:rPr>
               <a:t>: 6a + 6b</a:t>
             </a:r>
-            <a:endParaRPr sz="1950" dirty="0">
+            <a:endParaRPr sz="1950" b="1" dirty="0">
               <a:latin typeface="Verdana"/>
               <a:cs typeface="Verdana"/>
             </a:endParaRPr>

--- a/PPT/04- Angular Component Tree.pptx
+++ b/PPT/04- Angular Component Tree.pptx
@@ -2446,7 +2446,7 @@
           <a:p>
             <a:fld id="{3684521C-F147-C24A-A391-648ECBD2901C}" type="datetime1">
               <a:rPr lang="en-US" smtClean="0"/>
-              <a:t>2/26/19</a:t>
+              <a:t>5/12/19</a:t>
             </a:fld>
             <a:endParaRPr lang="en-US"/>
           </a:p>
@@ -2600,7 +2600,7 @@
           <a:p>
             <a:fld id="{E850CB69-7D8B-9F4E-BED9-901DCAE946AB}" type="datetime1">
               <a:rPr lang="en-US" smtClean="0"/>
-              <a:t>2/26/19</a:t>
+              <a:t>5/12/19</a:t>
             </a:fld>
             <a:endParaRPr lang="en-US"/>
           </a:p>
@@ -2833,7 +2833,7 @@
           <a:p>
             <a:fld id="{FDA6B9DC-9839-E24A-9DBE-68BCC9C6D304}" type="datetime1">
               <a:rPr lang="en-US" smtClean="0"/>
-              <a:t>2/26/19</a:t>
+              <a:t>5/12/19</a:t>
             </a:fld>
             <a:endParaRPr lang="en-US"/>
           </a:p>
@@ -2958,7 +2958,7 @@
           <a:p>
             <a:fld id="{16B0123C-B19C-2541-A249-CC118E280FC0}" type="datetime1">
               <a:rPr lang="en-US" smtClean="0"/>
-              <a:t>2/26/19</a:t>
+              <a:t>5/12/19</a:t>
             </a:fld>
             <a:endParaRPr lang="en-US"/>
           </a:p>
@@ -3054,7 +3054,7 @@
           <a:p>
             <a:fld id="{7A20ED1D-FFB4-6144-9B3D-3C04FD3360E4}" type="datetime1">
               <a:rPr lang="en-US" smtClean="0"/>
-              <a:t>2/26/19</a:t>
+              <a:t>5/12/19</a:t>
             </a:fld>
             <a:endParaRPr lang="en-US"/>
           </a:p>
@@ -3906,7 +3906,7 @@
           <a:p>
             <a:fld id="{5ADC4E92-36BB-AA43-A533-B6B376F1612C}" type="datetime1">
               <a:rPr lang="en-US" smtClean="0"/>
-              <a:t>2/26/19</a:t>
+              <a:t>5/12/19</a:t>
             </a:fld>
             <a:endParaRPr lang="en-US"/>
           </a:p>
@@ -43340,6 +43340,10 @@
           </p:nvPr>
         </p:nvSpPr>
         <p:spPr>
+          <a:xfrm>
+            <a:off x="611745" y="1654272"/>
+            <a:ext cx="9469909" cy="3967753"/>
+          </a:xfrm>
           <a:prstGeom prst="rect">
             <a:avLst/>
           </a:prstGeom>
@@ -43490,90 +43494,141 @@
               </a:tabLst>
             </a:pPr>
             <a:r>
-              <a:rPr spc="-25" dirty="0">
+              <a:rPr b="1" spc="-25" dirty="0">
+                <a:solidFill>
+                  <a:srgbClr val="C00000"/>
+                </a:solidFill>
                 <a:latin typeface="Courier New"/>
                 <a:cs typeface="Courier New"/>
               </a:rPr>
               <a:t>Subject(</a:t>
             </a:r>
             <a:r>
-              <a:rPr spc="-20" dirty="0">
+              <a:rPr b="1" spc="-20" dirty="0">
+                <a:solidFill>
+                  <a:srgbClr val="C00000"/>
+                </a:solidFill>
                 <a:latin typeface="Courier New"/>
                 <a:cs typeface="Courier New"/>
               </a:rPr>
               <a:t>)</a:t>
             </a:r>
             <a:r>
-              <a:rPr spc="-665" dirty="0">
+              <a:rPr b="1" spc="-665" dirty="0">
+                <a:solidFill>
+                  <a:srgbClr val="C00000"/>
+                </a:solidFill>
                 <a:latin typeface="Courier New"/>
                 <a:cs typeface="Courier New"/>
               </a:rPr>
               <a:t> </a:t>
             </a:r>
             <a:r>
-              <a:rPr spc="-20" dirty="0"/>
+              <a:rPr b="1" spc="-20" dirty="0">
+                <a:solidFill>
+                  <a:srgbClr val="C00000"/>
+                </a:solidFill>
+              </a:rPr>
               <a:t>(</a:t>
             </a:r>
             <a:r>
-              <a:rPr spc="-35" dirty="0"/>
+              <a:rPr b="1" spc="-35" dirty="0">
+                <a:solidFill>
+                  <a:srgbClr val="C00000"/>
+                </a:solidFill>
+              </a:rPr>
               <a:t>z</a:t>
             </a:r>
             <a:r>
-              <a:rPr spc="-25" dirty="0"/>
+              <a:rPr b="1" spc="-25" dirty="0">
+                <a:solidFill>
+                  <a:srgbClr val="C00000"/>
+                </a:solidFill>
+              </a:rPr>
               <a:t>owe</a:t>
             </a:r>
             <a:r>
-              <a:rPr spc="-10" dirty="0"/>
+              <a:rPr b="1" spc="-10" dirty="0">
+                <a:solidFill>
+                  <a:srgbClr val="C00000"/>
+                </a:solidFill>
+              </a:rPr>
               <a:t>l</a:t>
             </a:r>
             <a:r>
-              <a:rPr spc="265" dirty="0">
-                <a:latin typeface="Times New Roman"/>
-                <a:cs typeface="Times New Roman"/>
-              </a:rPr>
-              <a:t> </a:t>
-            </a:r>
-            <a:r>
-              <a:rPr spc="-25" dirty="0">
+              <a:rPr b="1" spc="265" dirty="0">
+                <a:solidFill>
+                  <a:srgbClr val="C00000"/>
+                </a:solidFill>
+                <a:latin typeface="Times New Roman"/>
+                <a:cs typeface="Times New Roman"/>
+              </a:rPr>
+              <a:t> </a:t>
+            </a:r>
+            <a:r>
+              <a:rPr b="1" spc="-25" dirty="0">
+                <a:solidFill>
+                  <a:srgbClr val="C00000"/>
+                </a:solidFill>
                 <a:latin typeface="Courier New"/>
                 <a:cs typeface="Courier New"/>
               </a:rPr>
               <a:t>Observabl</a:t>
             </a:r>
             <a:r>
-              <a:rPr spc="-20" dirty="0">
+              <a:rPr b="1" spc="-20" dirty="0">
+                <a:solidFill>
+                  <a:srgbClr val="C00000"/>
+                </a:solidFill>
                 <a:latin typeface="Courier New"/>
                 <a:cs typeface="Courier New"/>
               </a:rPr>
               <a:t>e</a:t>
             </a:r>
             <a:r>
-              <a:rPr spc="-660" dirty="0">
+              <a:rPr b="1" spc="-660" dirty="0">
+                <a:solidFill>
+                  <a:srgbClr val="C00000"/>
+                </a:solidFill>
                 <a:latin typeface="Courier New"/>
                 <a:cs typeface="Courier New"/>
               </a:rPr>
               <a:t> </a:t>
             </a:r>
             <a:r>
-              <a:rPr spc="-15" dirty="0"/>
+              <a:rPr b="1" spc="-15" dirty="0">
+                <a:solidFill>
+                  <a:srgbClr val="C00000"/>
+                </a:solidFill>
+              </a:rPr>
               <a:t>als</a:t>
             </a:r>
             <a:r>
-              <a:rPr spc="260" dirty="0">
-                <a:latin typeface="Times New Roman"/>
-                <a:cs typeface="Times New Roman"/>
-              </a:rPr>
-              <a:t> </a:t>
-            </a:r>
-            <a:r>
-              <a:rPr spc="-25" dirty="0">
+              <a:rPr b="1" spc="260" dirty="0">
+                <a:solidFill>
+                  <a:srgbClr val="C00000"/>
+                </a:solidFill>
+                <a:latin typeface="Times New Roman"/>
+                <a:cs typeface="Times New Roman"/>
+              </a:rPr>
+              <a:t> </a:t>
+            </a:r>
+            <a:r>
+              <a:rPr b="1" spc="-25" dirty="0">
+                <a:solidFill>
+                  <a:srgbClr val="C00000"/>
+                </a:solidFill>
                 <a:latin typeface="Courier New"/>
                 <a:cs typeface="Courier New"/>
               </a:rPr>
               <a:t>Observer</a:t>
             </a:r>
             <a:r>
-              <a:rPr spc="-15" dirty="0"/>
+              <a:rPr b="1" spc="-15" dirty="0">
+                <a:solidFill>
+                  <a:srgbClr val="C00000"/>
+                </a:solidFill>
+              </a:rPr>
               <a:t>)</a:t>
             </a:r>
           </a:p>
@@ -43586,7 +43641,7 @@
                 <a:spcPts val="4"/>
               </a:spcBef>
             </a:pPr>
-            <a:endParaRPr sz="2250">
+            <a:endParaRPr sz="2250" dirty="0">
               <a:latin typeface="Times New Roman"/>
               <a:cs typeface="Times New Roman"/>
             </a:endParaRPr>
@@ -43676,7 +43731,7 @@
               <a:rPr sz="3200" spc="15" dirty="0"/>
               <a:t>ysteem</a:t>
             </a:r>
-            <a:endParaRPr sz="3200">
+            <a:endParaRPr sz="3200" dirty="0">
               <a:latin typeface="Times New Roman"/>
               <a:cs typeface="Times New Roman"/>
             </a:endParaRPr>
@@ -47680,7 +47735,27 @@
                 <a:latin typeface="Consolas"/>
                 <a:cs typeface="Consolas"/>
               </a:rPr>
-              <a:t>(click)="order(city)"&gt;Boe</a:t>
+              <a:t>(click)="</a:t>
+            </a:r>
+            <a:r>
+              <a:rPr sz="1700" b="1" spc="-5" dirty="0">
+                <a:solidFill>
+                  <a:srgbClr val="FF0000"/>
+                </a:solidFill>
+                <a:latin typeface="Consolas"/>
+                <a:cs typeface="Consolas"/>
+              </a:rPr>
+              <a:t>order</a:t>
+            </a:r>
+            <a:r>
+              <a:rPr sz="1700" spc="-5" dirty="0">
+                <a:solidFill>
+                  <a:srgbClr val="008000"/>
+                </a:solidFill>
+                <a:latin typeface="Consolas"/>
+                <a:cs typeface="Consolas"/>
+              </a:rPr>
+              <a:t>(city)"&gt;Boe</a:t>
             </a:r>
             <a:r>
               <a:rPr sz="1700" spc="5" dirty="0">
@@ -48367,11 +48442,21 @@
               </a:spcBef>
             </a:pPr>
             <a:r>
+              <a:rPr sz="1700" b="1" spc="-5" dirty="0">
+                <a:solidFill>
+                  <a:srgbClr val="FF0000"/>
+                </a:solidFill>
+                <a:latin typeface="Consolas"/>
+                <a:cs typeface="Consolas"/>
+              </a:rPr>
+              <a:t>order</a:t>
+            </a:r>
+            <a:r>
               <a:rPr sz="1700" spc="-5" dirty="0">
                 <a:latin typeface="Consolas"/>
                 <a:cs typeface="Consolas"/>
               </a:rPr>
-              <a:t>order(city</a:t>
+              <a:t>(city</a:t>
             </a:r>
             <a:r>
               <a:rPr sz="1700" spc="5" dirty="0">
@@ -48595,9 +48680,9 @@
               <a:t> </a:t>
             </a:r>
             <a:r>
-              <a:rPr sz="1700" spc="-5" dirty="0" err="1">
-                <a:solidFill>
-                  <a:srgbClr val="000080"/>
+              <a:rPr sz="1700" b="1" spc="-5" dirty="0" err="1">
+                <a:solidFill>
+                  <a:srgbClr val="C00000"/>
                 </a:solidFill>
                 <a:latin typeface="Consolas"/>
                 <a:cs typeface="Consolas"/>
@@ -48605,9 +48690,9 @@
               <a:t>thi</a:t>
             </a:r>
             <a:r>
-              <a:rPr sz="1700" dirty="0" err="1">
-                <a:solidFill>
-                  <a:srgbClr val="000080"/>
+              <a:rPr sz="1700" b="1" dirty="0" err="1">
+                <a:solidFill>
+                  <a:srgbClr val="C00000"/>
                 </a:solidFill>
                 <a:latin typeface="Consolas"/>
                 <a:cs typeface="Consolas"/>
@@ -48615,41 +48700,59 @@
               <a:t>s</a:t>
             </a:r>
             <a:r>
-              <a:rPr sz="1700" spc="-5" dirty="0" err="1">
+              <a:rPr sz="1700" b="1" spc="-5" dirty="0" err="1">
+                <a:solidFill>
+                  <a:srgbClr val="C00000"/>
+                </a:solidFill>
                 <a:latin typeface="Consolas"/>
                 <a:cs typeface="Consolas"/>
               </a:rPr>
               <a:t>.orderService</a:t>
             </a:r>
             <a:r>
-              <a:rPr sz="1700" spc="-5" dirty="0">
+              <a:rPr sz="1700" b="1" spc="-5" dirty="0">
+                <a:solidFill>
+                  <a:srgbClr val="C00000"/>
+                </a:solidFill>
                 <a:latin typeface="Consolas"/>
                 <a:cs typeface="Consolas"/>
               </a:rPr>
               <a:t>.</a:t>
             </a:r>
             <a:r>
-              <a:rPr lang="nl-NL" sz="1700" spc="-5" dirty="0">
+              <a:rPr lang="nl-NL" sz="1700" b="1" spc="-5" dirty="0">
+                <a:solidFill>
+                  <a:srgbClr val="C00000"/>
+                </a:solidFill>
                 <a:latin typeface="Consolas"/>
                 <a:cs typeface="Consolas"/>
               </a:rPr>
               <a:t>s</a:t>
             </a:r>
             <a:r>
-              <a:rPr sz="1700" spc="-5" dirty="0" err="1">
+              <a:rPr sz="1700" b="1" spc="-5" dirty="0" err="1">
+                <a:solidFill>
+                  <a:srgbClr val="C00000"/>
+                </a:solidFill>
                 <a:latin typeface="Consolas"/>
                 <a:cs typeface="Consolas"/>
               </a:rPr>
               <a:t>tream.next</a:t>
             </a:r>
             <a:r>
-              <a:rPr sz="1700" spc="-5" dirty="0">
+              <a:rPr sz="1700" b="1" spc="-5" dirty="0">
+                <a:solidFill>
+                  <a:srgbClr val="C00000"/>
+                </a:solidFill>
                 <a:latin typeface="Consolas"/>
                 <a:cs typeface="Consolas"/>
               </a:rPr>
               <a:t>(city);</a:t>
             </a:r>
-            <a:endParaRPr sz="1700" dirty="0">
+            <a:endParaRPr sz="1700" b="1" dirty="0">
+              <a:solidFill>
+                <a:srgbClr val="C00000"/>
+              </a:solidFill>
               <a:latin typeface="Consolas"/>
               <a:cs typeface="Consolas"/>
             </a:endParaRPr>
@@ -49634,28 +49737,35 @@
               <a:t> </a:t>
             </a:r>
             <a:r>
-              <a:rPr sz="1500" spc="5" dirty="0">
+              <a:rPr sz="1500" b="1" spc="5" dirty="0" err="1">
                 <a:latin typeface="Consolas"/>
                 <a:cs typeface="Consolas"/>
               </a:rPr>
               <a:t>CityOrder</a:t>
             </a:r>
             <a:r>
-              <a:rPr sz="1500" dirty="0">
+              <a:rPr sz="1500" b="1" dirty="0" err="1">
                 <a:latin typeface="Consolas"/>
                 <a:cs typeface="Consolas"/>
               </a:rPr>
               <a:t>s</a:t>
             </a:r>
             <a:r>
-              <a:rPr sz="1500" dirty="0">
-                <a:latin typeface="Times New Roman"/>
-                <a:cs typeface="Times New Roman"/>
-              </a:rPr>
-              <a:t> </a:t>
-            </a:r>
-            <a:r>
-              <a:rPr sz="1500" spc="90" dirty="0">
+              <a:rPr lang="nl-NL" sz="1500" b="1" dirty="0">
+                <a:latin typeface="Consolas"/>
+                <a:cs typeface="Consolas"/>
+              </a:rPr>
+              <a:t>Component</a:t>
+            </a:r>
+            <a:r>
+              <a:rPr sz="1500" b="1" dirty="0">
+                <a:latin typeface="Times New Roman"/>
+                <a:cs typeface="Times New Roman"/>
+              </a:rPr>
+              <a:t> </a:t>
+            </a:r>
+            <a:r>
+              <a:rPr sz="1500" b="1" spc="90" dirty="0">
                 <a:latin typeface="Times New Roman"/>
                 <a:cs typeface="Times New Roman"/>
               </a:rPr>
@@ -49736,7 +49846,7 @@
             <a:r>
               <a:rPr sz="1500" b="1" dirty="0" err="1">
                 <a:solidFill>
-                  <a:srgbClr val="000080"/>
+                  <a:srgbClr val="C00000"/>
                 </a:solidFill>
                 <a:latin typeface="Consolas"/>
                 <a:cs typeface="Consolas"/>
@@ -49746,7 +49856,7 @@
             <a:r>
               <a:rPr sz="1500" b="1" spc="5" dirty="0" err="1">
                 <a:solidFill>
-                  <a:srgbClr val="000080"/>
+                  <a:srgbClr val="C00000"/>
                 </a:solidFill>
                 <a:latin typeface="Consolas"/>
                 <a:cs typeface="Consolas"/>
@@ -49755,6 +49865,9 @@
             </a:r>
             <a:r>
               <a:rPr sz="1500" spc="5" dirty="0" err="1">
+                <a:solidFill>
+                  <a:srgbClr val="C00000"/>
+                </a:solidFill>
                 <a:latin typeface="Consolas"/>
                 <a:cs typeface="Consolas"/>
               </a:rPr>
@@ -49762,6 +49875,9 @@
             </a:r>
             <a:r>
               <a:rPr sz="1500" spc="5" dirty="0">
+                <a:solidFill>
+                  <a:srgbClr val="C00000"/>
+                </a:solidFill>
                 <a:latin typeface="Consolas"/>
                 <a:cs typeface="Consolas"/>
               </a:rPr>
@@ -49769,6 +49885,9 @@
             </a:r>
             <a:r>
               <a:rPr lang="nl-NL" sz="1500" spc="5" dirty="0">
+                <a:solidFill>
+                  <a:srgbClr val="C00000"/>
+                </a:solidFill>
                 <a:latin typeface="Consolas"/>
                 <a:cs typeface="Consolas"/>
               </a:rPr>
@@ -49776,12 +49895,18 @@
             </a:r>
             <a:r>
               <a:rPr sz="1500" spc="5" dirty="0" err="1">
+                <a:solidFill>
+                  <a:srgbClr val="C00000"/>
+                </a:solidFill>
                 <a:latin typeface="Consolas"/>
                 <a:cs typeface="Consolas"/>
               </a:rPr>
               <a:t>tream</a:t>
             </a:r>
             <a:endParaRPr sz="1500" dirty="0">
+              <a:solidFill>
+                <a:srgbClr val="C00000"/>
+              </a:solidFill>
               <a:latin typeface="Consolas"/>
               <a:cs typeface="Consolas"/>
             </a:endParaRPr>
@@ -49800,7 +49925,24 @@
                 <a:latin typeface="Consolas"/>
                 <a:cs typeface="Consolas"/>
               </a:rPr>
-              <a:t>.subscribe(</a:t>
+              <a:t>.</a:t>
+            </a:r>
+            <a:r>
+              <a:rPr sz="1500" b="1" spc="5" dirty="0">
+                <a:solidFill>
+                  <a:srgbClr val="FF0000"/>
+                </a:solidFill>
+                <a:latin typeface="Consolas"/>
+                <a:cs typeface="Consolas"/>
+              </a:rPr>
+              <a:t>subscribe</a:t>
+            </a:r>
+            <a:r>
+              <a:rPr sz="1500" spc="5" dirty="0">
+                <a:latin typeface="Consolas"/>
+                <a:cs typeface="Consolas"/>
+              </a:rPr>
+              <a:t>(</a:t>
             </a:r>
             <a:endParaRPr sz="1500" dirty="0">
               <a:latin typeface="Consolas"/>
